--- a/Защита/Translator.pptx
+++ b/Защита/Translator.pptx
@@ -5,10 +5,10 @@
     <p:sldMasterId id="2147483648" r:id="rId1"/>
   </p:sldMasterIdLst>
   <p:notesMasterIdLst>
-    <p:notesMasterId r:id="rId10"/>
+    <p:notesMasterId r:id="rId12"/>
   </p:notesMasterIdLst>
   <p:handoutMasterIdLst>
-    <p:handoutMasterId r:id="rId11"/>
+    <p:handoutMasterId r:id="rId13"/>
   </p:handoutMasterIdLst>
   <p:sldIdLst>
     <p:sldId id="256" r:id="rId3"/>
@@ -16,8 +16,10 @@
     <p:sldId id="257" r:id="rId5"/>
     <p:sldId id="258" r:id="rId6"/>
     <p:sldId id="259" r:id="rId7"/>
-    <p:sldId id="260" r:id="rId8"/>
-    <p:sldId id="262" r:id="rId9"/>
+    <p:sldId id="267" r:id="rId8"/>
+    <p:sldId id="268" r:id="rId9"/>
+    <p:sldId id="260" r:id="rId10"/>
+    <p:sldId id="262" r:id="rId11"/>
   </p:sldIdLst>
   <p:sldSz cx="12192000" cy="6858000"/>
   <p:notesSz cx="7103745" cy="10234295"/>
@@ -3800,7 +3802,47 @@
                 <a:latin typeface="Comic Sans MS" panose="030F0702030302020204" charset="0"/>
                 <a:cs typeface="Comic Sans MS" panose="030F0702030302020204" charset="0"/>
               </a:rPr>
-              <a:t>В соверменном мире необходимость знать иностранные языки - это не просто полезный навык, но и жизненная необходимость.</a:t>
+              <a:t>В соверменном мире необходимость знать </a:t>
+            </a:r>
+            <a:r>
+              <a:rPr lang="ru-RU" altLang="en-US" sz="2400">
+                <a:solidFill>
+                  <a:srgbClr val="00B0F0"/>
+                </a:solidFill>
+                <a:latin typeface="Comic Sans MS" panose="030F0702030302020204" charset="0"/>
+                <a:cs typeface="Comic Sans MS" panose="030F0702030302020204" charset="0"/>
+              </a:rPr>
+              <a:t>иностранные языки</a:t>
+            </a:r>
+            <a:r>
+              <a:rPr lang="ru-RU" altLang="en-US" sz="2400">
+                <a:solidFill>
+                  <a:schemeClr val="bg1"/>
+                </a:solidFill>
+                <a:latin typeface="Comic Sans MS" panose="030F0702030302020204" charset="0"/>
+                <a:cs typeface="Comic Sans MS" panose="030F0702030302020204" charset="0"/>
+              </a:rPr>
+              <a:t> - это не просто полезный навык, но и </a:t>
+            </a:r>
+            <a:r>
+              <a:rPr lang="ru-RU" altLang="en-US" sz="2400">
+                <a:solidFill>
+                  <a:srgbClr val="00B0F0"/>
+                </a:solidFill>
+                <a:latin typeface="Comic Sans MS" panose="030F0702030302020204" charset="0"/>
+                <a:cs typeface="Comic Sans MS" panose="030F0702030302020204" charset="0"/>
+              </a:rPr>
+              <a:t>жизненная необходимость</a:t>
+            </a:r>
+            <a:r>
+              <a:rPr lang="ru-RU" altLang="en-US" sz="2400">
+                <a:solidFill>
+                  <a:schemeClr val="bg1"/>
+                </a:solidFill>
+                <a:latin typeface="Comic Sans MS" panose="030F0702030302020204" charset="0"/>
+                <a:cs typeface="Comic Sans MS" panose="030F0702030302020204" charset="0"/>
+              </a:rPr>
+              <a:t>.</a:t>
             </a:r>
             <a:endParaRPr lang="ru-RU" altLang="en-US" sz="2400">
               <a:solidFill>
@@ -3819,7 +3861,47 @@
                 <a:latin typeface="Comic Sans MS" panose="030F0702030302020204" charset="0"/>
                 <a:cs typeface="Comic Sans MS" panose="030F0702030302020204" charset="0"/>
               </a:rPr>
-              <a:t>Поэтому переводчики являются спасателем для людей незнающих или изучающих какой-либо иностранный язык.</a:t>
+              <a:t>Поэтому переводчики являются </a:t>
+            </a:r>
+            <a:r>
+              <a:rPr lang="ru-RU" altLang="en-US" sz="2400">
+                <a:solidFill>
+                  <a:srgbClr val="00B0F0"/>
+                </a:solidFill>
+                <a:latin typeface="Comic Sans MS" panose="030F0702030302020204" charset="0"/>
+                <a:cs typeface="Comic Sans MS" panose="030F0702030302020204" charset="0"/>
+              </a:rPr>
+              <a:t>спасателем</a:t>
+            </a:r>
+            <a:r>
+              <a:rPr lang="ru-RU" altLang="en-US" sz="2400">
+                <a:solidFill>
+                  <a:schemeClr val="bg1"/>
+                </a:solidFill>
+                <a:latin typeface="Comic Sans MS" panose="030F0702030302020204" charset="0"/>
+                <a:cs typeface="Comic Sans MS" panose="030F0702030302020204" charset="0"/>
+              </a:rPr>
+              <a:t> для людей, незнающих или изучающих какой-либо </a:t>
+            </a:r>
+            <a:r>
+              <a:rPr lang="ru-RU" altLang="en-US" sz="2400">
+                <a:solidFill>
+                  <a:srgbClr val="00B0F0"/>
+                </a:solidFill>
+                <a:latin typeface="Comic Sans MS" panose="030F0702030302020204" charset="0"/>
+                <a:cs typeface="Comic Sans MS" panose="030F0702030302020204" charset="0"/>
+              </a:rPr>
+              <a:t>иностранный язык</a:t>
+            </a:r>
+            <a:r>
+              <a:rPr lang="ru-RU" altLang="en-US" sz="2400">
+                <a:solidFill>
+                  <a:schemeClr val="bg1"/>
+                </a:solidFill>
+                <a:latin typeface="Comic Sans MS" panose="030F0702030302020204" charset="0"/>
+                <a:cs typeface="Comic Sans MS" panose="030F0702030302020204" charset="0"/>
+              </a:rPr>
+              <a:t>.</a:t>
             </a:r>
             <a:endParaRPr lang="ru-RU" altLang="en-US" sz="2400">
               <a:solidFill>
@@ -3923,7 +4005,7 @@
             <a:r>
               <a:rPr lang="en-US" altLang="ru-RU">
                 <a:solidFill>
-                  <a:schemeClr val="bg1"/>
+                  <a:srgbClr val="00B0F0"/>
                 </a:solidFill>
                 <a:latin typeface="Comic Sans MS" panose="030F0702030302020204" charset="0"/>
                 <a:cs typeface="Comic Sans MS" panose="030F0702030302020204" charset="0"/>
@@ -3967,7 +4049,17 @@
                 <a:latin typeface="Comic Sans MS" panose="030F0702030302020204" charset="0"/>
                 <a:cs typeface="Comic Sans MS" panose="030F0702030302020204" charset="0"/>
               </a:rPr>
-              <a:t>В арсенале переводчика 15 языков.</a:t>
+              <a:t>В арсенале переводчика </a:t>
+            </a:r>
+            <a:r>
+              <a:rPr lang="ru-RU" altLang="en-US">
+                <a:solidFill>
+                  <a:srgbClr val="00B0F0"/>
+                </a:solidFill>
+                <a:latin typeface="Comic Sans MS" panose="030F0702030302020204" charset="0"/>
+                <a:cs typeface="Comic Sans MS" panose="030F0702030302020204" charset="0"/>
+              </a:rPr>
+              <a:t>15 языков.</a:t>
             </a:r>
             <a:endParaRPr lang="ru-RU" altLang="en-US">
               <a:solidFill>
@@ -3981,12 +4073,22 @@
             <a:r>
               <a:rPr lang="en-US" altLang="ru-RU">
                 <a:solidFill>
-                  <a:schemeClr val="bg1"/>
-                </a:solidFill>
-                <a:latin typeface="Comic Sans MS" panose="030F0702030302020204" charset="0"/>
-                <a:cs typeface="Comic Sans MS" panose="030F0702030302020204" charset="0"/>
-              </a:rPr>
-              <a:t>Translator </a:t>
+                  <a:srgbClr val="00B0F0"/>
+                </a:solidFill>
+                <a:latin typeface="Comic Sans MS" panose="030F0702030302020204" charset="0"/>
+                <a:cs typeface="Comic Sans MS" panose="030F0702030302020204" charset="0"/>
+              </a:rPr>
+              <a:t>Translator</a:t>
+            </a:r>
+            <a:r>
+              <a:rPr lang="en-US" altLang="ru-RU">
+                <a:solidFill>
+                  <a:schemeClr val="bg1"/>
+                </a:solidFill>
+                <a:latin typeface="Comic Sans MS" panose="030F0702030302020204" charset="0"/>
+                <a:cs typeface="Comic Sans MS" panose="030F0702030302020204" charset="0"/>
+              </a:rPr>
+              <a:t> </a:t>
             </a:r>
             <a:r>
               <a:rPr lang="ru-RU" altLang="en-US">
@@ -3996,7 +4098,27 @@
                 <a:latin typeface="Comic Sans MS" panose="030F0702030302020204" charset="0"/>
                 <a:cs typeface="Comic Sans MS" panose="030F0702030302020204" charset="0"/>
               </a:rPr>
-              <a:t>предусматривает информацию о выбранном пользователем языке.</a:t>
+              <a:t>предусматривает </a:t>
+            </a:r>
+            <a:r>
+              <a:rPr lang="ru-RU" altLang="en-US">
+                <a:solidFill>
+                  <a:srgbClr val="00B0F0"/>
+                </a:solidFill>
+                <a:latin typeface="Comic Sans MS" panose="030F0702030302020204" charset="0"/>
+                <a:cs typeface="Comic Sans MS" panose="030F0702030302020204" charset="0"/>
+              </a:rPr>
+              <a:t>информацию</a:t>
+            </a:r>
+            <a:r>
+              <a:rPr lang="ru-RU" altLang="en-US">
+                <a:solidFill>
+                  <a:schemeClr val="bg1"/>
+                </a:solidFill>
+                <a:latin typeface="Comic Sans MS" panose="030F0702030302020204" charset="0"/>
+                <a:cs typeface="Comic Sans MS" panose="030F0702030302020204" charset="0"/>
+              </a:rPr>
+              <a:t> о выбранном пользователем языке.</a:t>
             </a:r>
             <a:endParaRPr lang="ru-RU" altLang="en-US">
               <a:solidFill>
@@ -4189,35 +4311,28 @@
           <a:p>
             <a:r>
               <a:rPr lang="en-US" altLang="en-US" sz="2000">
-                <a:latin typeface="Comic Sans MS" panose="030F0702030302020204" charset="0"/>
-                <a:cs typeface="Comic Sans MS" panose="030F0702030302020204" charset="0"/>
-              </a:rPr>
-              <a:t> </a:t>
+                <a:solidFill>
+                  <a:srgbClr val="00B0F0"/>
+                </a:solidFill>
+                <a:latin typeface="Comic Sans MS" panose="030F0702030302020204" charset="0"/>
+                <a:cs typeface="Comic Sans MS" panose="030F0702030302020204" charset="0"/>
+              </a:rPr>
+              <a:t> Translator</a:t>
+            </a:r>
+            <a:r>
+              <a:rPr lang="ru-RU" altLang="en-US" sz="2000">
+                <a:solidFill>
+                  <a:schemeClr val="bg1"/>
+                </a:solidFill>
+                <a:latin typeface="Comic Sans MS" panose="030F0702030302020204" charset="0"/>
+                <a:cs typeface="Comic Sans MS" panose="030F0702030302020204" charset="0"/>
+              </a:rPr>
+              <a:t>. Основной библиотекой является </a:t>
             </a:r>
             <a:r>
               <a:rPr lang="en-US" altLang="en-US" sz="2000">
                 <a:solidFill>
-                  <a:schemeClr val="bg1"/>
-                </a:solidFill>
-                <a:latin typeface="Comic Sans MS" panose="030F0702030302020204" charset="0"/>
-                <a:cs typeface="Comic Sans MS" panose="030F0702030302020204" charset="0"/>
-              </a:rPr>
-              <a:t>Translator</a:t>
-            </a:r>
-            <a:r>
-              <a:rPr lang="ru-RU" altLang="en-US" sz="2000">
-                <a:solidFill>
-                  <a:schemeClr val="bg1"/>
-                </a:solidFill>
-                <a:latin typeface="Comic Sans MS" panose="030F0702030302020204" charset="0"/>
-                <a:cs typeface="Comic Sans MS" panose="030F0702030302020204" charset="0"/>
-              </a:rPr>
-              <a:t>. Основной библиотекой является </a:t>
-            </a:r>
-            <a:r>
-              <a:rPr lang="en-US" altLang="en-US" sz="2000">
-                <a:solidFill>
-                  <a:schemeClr val="bg1"/>
+                  <a:srgbClr val="00B0F0"/>
                 </a:solidFill>
                 <a:latin typeface="Comic Sans MS" panose="030F0702030302020204" charset="0"/>
                 <a:cs typeface="Comic Sans MS" panose="030F0702030302020204" charset="0"/>
@@ -4251,7 +4366,66 @@
                 <a:latin typeface="Comic Sans MS" panose="030F0702030302020204" charset="0"/>
                 <a:cs typeface="Comic Sans MS" panose="030F0702030302020204" charset="0"/>
               </a:rPr>
-              <a:t>Для реализации функции перевода использовалась библиотека translate.</a:t>
+              <a:t>Для реализации функции перевода использовалась библиотека</a:t>
+            </a:r>
+            <a:r>
+              <a:rPr lang="ru-RU" altLang="en-US" sz="2000">
+                <a:solidFill>
+                  <a:srgbClr val="00B0F0"/>
+                </a:solidFill>
+                <a:latin typeface="Comic Sans MS" panose="030F0702030302020204" charset="0"/>
+                <a:cs typeface="Comic Sans MS" panose="030F0702030302020204" charset="0"/>
+              </a:rPr>
+              <a:t> translate.</a:t>
+            </a:r>
+            <a:endParaRPr lang="ru-RU" altLang="en-US" sz="2000">
+              <a:solidFill>
+                <a:srgbClr val="00B0F0"/>
+              </a:solidFill>
+              <a:latin typeface="Comic Sans MS" panose="030F0702030302020204" charset="0"/>
+              <a:cs typeface="Comic Sans MS" panose="030F0702030302020204" charset="0"/>
+            </a:endParaRPr>
+          </a:p>
+          <a:p>
+            <a:r>
+              <a:rPr lang="ru-RU" altLang="en-US" sz="2000">
+                <a:solidFill>
+                  <a:schemeClr val="bg1"/>
+                </a:solidFill>
+                <a:latin typeface="Comic Sans MS" panose="030F0702030302020204" charset="0"/>
+                <a:cs typeface="Comic Sans MS" panose="030F0702030302020204" charset="0"/>
+              </a:rPr>
+              <a:t>Предусмотрена возможность</a:t>
+            </a:r>
+            <a:r>
+              <a:rPr lang="ru-RU" altLang="en-US" sz="2000">
+                <a:solidFill>
+                  <a:srgbClr val="00B0F0"/>
+                </a:solidFill>
+                <a:latin typeface="Comic Sans MS" panose="030F0702030302020204" charset="0"/>
+                <a:cs typeface="Comic Sans MS" panose="030F0702030302020204" charset="0"/>
+              </a:rPr>
+              <a:t> копирование текста</a:t>
+            </a:r>
+            <a:r>
+              <a:rPr lang="ru-RU" altLang="en-US" sz="2000">
+                <a:solidFill>
+                  <a:schemeClr val="bg1"/>
+                </a:solidFill>
+                <a:latin typeface="Comic Sans MS" panose="030F0702030302020204" charset="0"/>
+                <a:cs typeface="Comic Sans MS" panose="030F0702030302020204" charset="0"/>
+              </a:rPr>
+              <a:t> при помощью </a:t>
+            </a:r>
+            <a:r>
+              <a:rPr lang="ru-RU" altLang="en-US" sz="2000">
+                <a:solidFill>
+                  <a:srgbClr val="00B0F0"/>
+                </a:solidFill>
+                <a:latin typeface="Comic Sans MS" panose="030F0702030302020204" charset="0"/>
+                <a:cs typeface="Comic Sans MS" panose="030F0702030302020204" charset="0"/>
+              </a:rPr>
+              <a:t>нажатия кнопки,</a:t>
             </a:r>
             <a:endParaRPr lang="ru-RU" altLang="en-US" sz="2000">
               <a:solidFill>
@@ -4270,7 +4444,27 @@
                 <a:latin typeface="Comic Sans MS" panose="030F0702030302020204" charset="0"/>
                 <a:cs typeface="Comic Sans MS" panose="030F0702030302020204" charset="0"/>
               </a:rPr>
-              <a:t>Предусмотрена возможность копирование текста при помощью нажатия кнопки,</a:t>
+              <a:t>Для реализации этого была использована библиотека </a:t>
+            </a:r>
+            <a:r>
+              <a:rPr lang="ru-RU" altLang="en-US" sz="2000">
+                <a:solidFill>
+                  <a:srgbClr val="00B0F0"/>
+                </a:solidFill>
+                <a:latin typeface="Comic Sans MS" panose="030F0702030302020204" charset="0"/>
+                <a:cs typeface="Comic Sans MS" panose="030F0702030302020204" charset="0"/>
+              </a:rPr>
+              <a:t>pyperclip</a:t>
+            </a:r>
+            <a:r>
+              <a:rPr lang="ru-RU" altLang="en-US" sz="2000">
+                <a:solidFill>
+                  <a:schemeClr val="bg1"/>
+                </a:solidFill>
+                <a:latin typeface="Comic Sans MS" panose="030F0702030302020204" charset="0"/>
+                <a:cs typeface="Comic Sans MS" panose="030F0702030302020204" charset="0"/>
+              </a:rPr>
+              <a:t>.</a:t>
             </a:r>
             <a:endParaRPr lang="ru-RU" altLang="en-US" sz="2000">
               <a:solidFill>
@@ -4289,7 +4483,27 @@
                 <a:latin typeface="Comic Sans MS" panose="030F0702030302020204" charset="0"/>
                 <a:cs typeface="Comic Sans MS" panose="030F0702030302020204" charset="0"/>
               </a:rPr>
-              <a:t>Для реализации этого была использована библиотека pyperclip.</a:t>
+              <a:t>При работе над проектом было использовано </a:t>
+            </a:r>
+            <a:r>
+              <a:rPr lang="ru-RU" altLang="en-US" sz="2000">
+                <a:solidFill>
+                  <a:srgbClr val="00B0F0"/>
+                </a:solidFill>
+                <a:latin typeface="Comic Sans MS" panose="030F0702030302020204" charset="0"/>
+                <a:cs typeface="Comic Sans MS" panose="030F0702030302020204" charset="0"/>
+              </a:rPr>
+              <a:t>несколько форм</a:t>
+            </a:r>
+            <a:r>
+              <a:rPr lang="ru-RU" altLang="en-US" sz="2000">
+                <a:solidFill>
+                  <a:schemeClr val="bg1"/>
+                </a:solidFill>
+                <a:latin typeface="Comic Sans MS" panose="030F0702030302020204" charset="0"/>
+                <a:cs typeface="Comic Sans MS" panose="030F0702030302020204" charset="0"/>
+              </a:rPr>
+              <a:t>.</a:t>
             </a:r>
             <a:endParaRPr lang="ru-RU" altLang="en-US" sz="2000">
               <a:solidFill>
@@ -4308,7 +4522,67 @@
                 <a:latin typeface="Comic Sans MS" panose="030F0702030302020204" charset="0"/>
                 <a:cs typeface="Comic Sans MS" panose="030F0702030302020204" charset="0"/>
               </a:rPr>
-              <a:t>При работе над проектом было использовано несколько форм.</a:t>
+              <a:t>Для перевода текста требуется всего лишь </a:t>
+            </a:r>
+            <a:r>
+              <a:rPr lang="ru-RU" altLang="en-US" sz="2000">
+                <a:solidFill>
+                  <a:srgbClr val="00B0F0"/>
+                </a:solidFill>
+                <a:latin typeface="Comic Sans MS" panose="030F0702030302020204" charset="0"/>
+                <a:cs typeface="Comic Sans MS" panose="030F0702030302020204" charset="0"/>
+              </a:rPr>
+              <a:t>нажать</a:t>
+            </a:r>
+            <a:r>
+              <a:rPr lang="ru-RU" altLang="en-US" sz="2000">
+                <a:solidFill>
+                  <a:schemeClr val="bg1"/>
+                </a:solidFill>
+                <a:latin typeface="Comic Sans MS" panose="030F0702030302020204" charset="0"/>
+                <a:cs typeface="Comic Sans MS" panose="030F0702030302020204" charset="0"/>
+              </a:rPr>
+              <a:t> на кнопку</a:t>
+            </a:r>
+            <a:r>
+              <a:rPr lang="ru-RU" altLang="en-US" sz="2000">
+                <a:solidFill>
+                  <a:srgbClr val="00B0F0"/>
+                </a:solidFill>
+                <a:latin typeface="Comic Sans MS" panose="030F0702030302020204" charset="0"/>
+                <a:cs typeface="Comic Sans MS" panose="030F0702030302020204" charset="0"/>
+              </a:rPr>
+              <a:t> </a:t>
+            </a:r>
+            <a:r>
+              <a:rPr lang="en-US" altLang="en-US" sz="2000">
+                <a:solidFill>
+                  <a:srgbClr val="00B0F0"/>
+                </a:solidFill>
+                <a:latin typeface="Comic Sans MS" panose="030F0702030302020204" charset="0"/>
+                <a:cs typeface="Comic Sans MS" panose="030F0702030302020204" charset="0"/>
+              </a:rPr>
+              <a:t>SHIFT</a:t>
+            </a:r>
+            <a:r>
+              <a:rPr lang="en-US" altLang="en-US" sz="2000">
+                <a:solidFill>
+                  <a:schemeClr val="bg1"/>
+                </a:solidFill>
+                <a:latin typeface="Comic Sans MS" panose="030F0702030302020204" charset="0"/>
+                <a:cs typeface="Comic Sans MS" panose="030F0702030302020204" charset="0"/>
+              </a:rPr>
+              <a:t> </a:t>
+            </a:r>
+            <a:r>
+              <a:rPr lang="ru-RU" altLang="en-US" sz="2000">
+                <a:solidFill>
+                  <a:schemeClr val="bg1"/>
+                </a:solidFill>
+                <a:latin typeface="Comic Sans MS" panose="030F0702030302020204" charset="0"/>
+                <a:cs typeface="Comic Sans MS" panose="030F0702030302020204" charset="0"/>
+              </a:rPr>
+              <a:t>на клавиатуре</a:t>
             </a:r>
             <a:endParaRPr lang="ru-RU" altLang="en-US" sz="2000">
               <a:solidFill>
@@ -4327,27 +4601,27 @@
                 <a:latin typeface="Comic Sans MS" panose="030F0702030302020204" charset="0"/>
                 <a:cs typeface="Comic Sans MS" panose="030F0702030302020204" charset="0"/>
               </a:rPr>
-              <a:t>Для перевода текста требуется всего лишь нажать на кнопку </a:t>
-            </a:r>
-            <a:r>
-              <a:rPr lang="en-US" altLang="en-US" sz="2000">
-                <a:solidFill>
-                  <a:schemeClr val="bg1"/>
-                </a:solidFill>
-                <a:latin typeface="Comic Sans MS" panose="030F0702030302020204" charset="0"/>
-                <a:cs typeface="Comic Sans MS" panose="030F0702030302020204" charset="0"/>
-              </a:rPr>
-              <a:t>SHIFT </a:t>
+              <a:t>Или же нажать на </a:t>
             </a:r>
             <a:r>
               <a:rPr lang="ru-RU" altLang="en-US" sz="2000">
                 <a:solidFill>
-                  <a:schemeClr val="bg1"/>
-                </a:solidFill>
-                <a:latin typeface="Comic Sans MS" panose="030F0702030302020204" charset="0"/>
-                <a:cs typeface="Comic Sans MS" panose="030F0702030302020204" charset="0"/>
-              </a:rPr>
-              <a:t>на клавиатуре</a:t>
+                  <a:srgbClr val="00B0F0"/>
+                </a:solidFill>
+                <a:latin typeface="Comic Sans MS" panose="030F0702030302020204" charset="0"/>
+                <a:cs typeface="Comic Sans MS" panose="030F0702030302020204" charset="0"/>
+              </a:rPr>
+              <a:t>иконку логотипа,</a:t>
+            </a:r>
+            <a:r>
+              <a:rPr lang="ru-RU" altLang="en-US" sz="2000">
+                <a:solidFill>
+                  <a:schemeClr val="bg1"/>
+                </a:solidFill>
+                <a:latin typeface="Comic Sans MS" panose="030F0702030302020204" charset="0"/>
+                <a:cs typeface="Comic Sans MS" panose="030F0702030302020204" charset="0"/>
+              </a:rPr>
+              <a:t> расположенного в центре окна</a:t>
             </a:r>
             <a:endParaRPr lang="ru-RU" altLang="en-US" sz="2000">
               <a:solidFill>
@@ -4366,7 +4640,57 @@
                 <a:latin typeface="Comic Sans MS" panose="030F0702030302020204" charset="0"/>
                 <a:cs typeface="Comic Sans MS" panose="030F0702030302020204" charset="0"/>
               </a:rPr>
-              <a:t>Или же нажать на иконку логотипа, расположенного в центре окна</a:t>
+              <a:t>В проекте предусмотрена возможность </a:t>
+            </a:r>
+            <a:r>
+              <a:rPr lang="ru-RU" altLang="en-US" sz="2000">
+                <a:solidFill>
+                  <a:srgbClr val="00B0F0"/>
+                </a:solidFill>
+                <a:latin typeface="Comic Sans MS" panose="030F0702030302020204" charset="0"/>
+                <a:cs typeface="Comic Sans MS" panose="030F0702030302020204" charset="0"/>
+              </a:rPr>
+              <a:t>связаться или сообщить о проблеме </a:t>
+            </a:r>
+            <a:r>
+              <a:rPr lang="ru-RU" altLang="en-US" sz="2000">
+                <a:solidFill>
+                  <a:schemeClr val="bg1"/>
+                </a:solidFill>
+                <a:latin typeface="Comic Sans MS" panose="030F0702030302020204" charset="0"/>
+                <a:cs typeface="Comic Sans MS" panose="030F0702030302020204" charset="0"/>
+              </a:rPr>
+              <a:t>разработчику </a:t>
+            </a:r>
+            <a:r>
+              <a:rPr lang="ru-RU" altLang="en-US" sz="2000">
+                <a:solidFill>
+                  <a:srgbClr val="00B0F0"/>
+                </a:solidFill>
+                <a:latin typeface="Comic Sans MS" panose="030F0702030302020204" charset="0"/>
+                <a:cs typeface="Comic Sans MS" panose="030F0702030302020204" charset="0"/>
+              </a:rPr>
+              <a:t>нажатием на иконки</a:t>
+            </a:r>
+            <a:r>
+              <a:rPr lang="ru-RU" altLang="en-US" sz="2000">
+                <a:solidFill>
+                  <a:schemeClr val="bg1"/>
+                </a:solidFill>
+                <a:latin typeface="Comic Sans MS" panose="030F0702030302020204" charset="0"/>
+                <a:cs typeface="Comic Sans MS" panose="030F0702030302020204" charset="0"/>
+              </a:rPr>
+              <a:t>, расположенные в </a:t>
+            </a:r>
+            <a:r>
+              <a:rPr lang="ru-RU" altLang="en-US" sz="2000">
+                <a:solidFill>
+                  <a:srgbClr val="00B0F0"/>
+                </a:solidFill>
+                <a:latin typeface="Comic Sans MS" panose="030F0702030302020204" charset="0"/>
+                <a:cs typeface="Comic Sans MS" panose="030F0702030302020204" charset="0"/>
+              </a:rPr>
+              <a:t>правом нижнем углу</a:t>
             </a:r>
             <a:endParaRPr lang="ru-RU" altLang="en-US" sz="2000">
               <a:solidFill>
@@ -4385,36 +4709,47 @@
                 <a:latin typeface="Comic Sans MS" panose="030F0702030302020204" charset="0"/>
                 <a:cs typeface="Comic Sans MS" panose="030F0702030302020204" charset="0"/>
               </a:rPr>
-              <a:t>В проекте предусмотрена возможность связаться или сообщить о проблеме разработчику нажатием на иконки, расположенные в правом нижнем углу</a:t>
-            </a:r>
-            <a:endParaRPr lang="ru-RU" altLang="en-US" sz="2000">
-              <a:solidFill>
-                <a:schemeClr val="bg1"/>
-              </a:solidFill>
-              <a:latin typeface="Comic Sans MS" panose="030F0702030302020204" charset="0"/>
-              <a:cs typeface="Comic Sans MS" panose="030F0702030302020204" charset="0"/>
-            </a:endParaRPr>
-          </a:p>
-          <a:p>
+              <a:t>При нажатии на кнопку </a:t>
+            </a:r>
+            <a:r>
+              <a:rPr lang="en-US" altLang="en-US" sz="2000">
+                <a:solidFill>
+                  <a:srgbClr val="00B0F0"/>
+                </a:solidFill>
+                <a:latin typeface="Comic Sans MS" panose="030F0702030302020204" charset="0"/>
+                <a:cs typeface="Comic Sans MS" panose="030F0702030302020204" charset="0"/>
+              </a:rPr>
+              <a:t>‘</a:t>
+            </a:r>
             <a:r>
               <a:rPr lang="ru-RU" altLang="en-US" sz="2000">
                 <a:solidFill>
-                  <a:schemeClr val="bg1"/>
-                </a:solidFill>
-                <a:latin typeface="Comic Sans MS" panose="030F0702030302020204" charset="0"/>
-                <a:cs typeface="Comic Sans MS" panose="030F0702030302020204" charset="0"/>
-              </a:rPr>
-              <a:t>При нажатии на кнопку </a:t>
+                  <a:srgbClr val="00B0F0"/>
+                </a:solidFill>
+                <a:latin typeface="Comic Sans MS" panose="030F0702030302020204" charset="0"/>
+                <a:cs typeface="Comic Sans MS" panose="030F0702030302020204" charset="0"/>
+              </a:rPr>
+              <a:t>Информация о выбранном языке</a:t>
             </a:r>
             <a:r>
               <a:rPr lang="en-US" altLang="en-US" sz="2000">
                 <a:solidFill>
-                  <a:schemeClr val="bg1"/>
-                </a:solidFill>
-                <a:latin typeface="Comic Sans MS" panose="030F0702030302020204" charset="0"/>
-                <a:cs typeface="Comic Sans MS" panose="030F0702030302020204" charset="0"/>
-              </a:rPr>
-              <a:t>‘</a:t>
+                  <a:srgbClr val="00B0F0"/>
+                </a:solidFill>
+                <a:latin typeface="Comic Sans MS" panose="030F0702030302020204" charset="0"/>
+                <a:cs typeface="Comic Sans MS" panose="030F0702030302020204" charset="0"/>
+              </a:rPr>
+              <a:t>”</a:t>
+            </a:r>
+            <a:r>
+              <a:rPr lang="en-US" altLang="en-US" sz="2000">
+                <a:solidFill>
+                  <a:schemeClr val="bg1"/>
+                </a:solidFill>
+                <a:latin typeface="Comic Sans MS" panose="030F0702030302020204" charset="0"/>
+                <a:cs typeface="Comic Sans MS" panose="030F0702030302020204" charset="0"/>
+              </a:rPr>
+              <a:t> </a:t>
             </a:r>
             <a:r>
               <a:rPr lang="ru-RU" altLang="en-US" sz="2000">
@@ -4424,32 +4759,32 @@
                 <a:latin typeface="Comic Sans MS" panose="030F0702030302020204" charset="0"/>
                 <a:cs typeface="Comic Sans MS" panose="030F0702030302020204" charset="0"/>
               </a:rPr>
-              <a:t>Информация о выбранном языке</a:t>
+              <a:t>выйдет окно с </a:t>
+            </a:r>
+            <a:r>
+              <a:rPr lang="ru-RU" altLang="en-US" sz="2000">
+                <a:solidFill>
+                  <a:srgbClr val="00B0F0"/>
+                </a:solidFill>
+                <a:latin typeface="Comic Sans MS" panose="030F0702030302020204" charset="0"/>
+                <a:cs typeface="Comic Sans MS" panose="030F0702030302020204" charset="0"/>
+              </a:rPr>
+              <a:t>информацией о языке</a:t>
+            </a:r>
+            <a:r>
+              <a:rPr lang="ru-RU" altLang="en-US" sz="2000">
+                <a:solidFill>
+                  <a:schemeClr val="bg1"/>
+                </a:solidFill>
+                <a:latin typeface="Comic Sans MS" panose="030F0702030302020204" charset="0"/>
+                <a:cs typeface="Comic Sans MS" panose="030F0702030302020204" charset="0"/>
+              </a:rPr>
+              <a:t>, информация которого взята из </a:t>
             </a:r>
             <a:r>
               <a:rPr lang="en-US" altLang="en-US" sz="2000">
                 <a:solidFill>
-                  <a:schemeClr val="bg1"/>
-                </a:solidFill>
-                <a:latin typeface="Comic Sans MS" panose="030F0702030302020204" charset="0"/>
-                <a:cs typeface="Comic Sans MS" panose="030F0702030302020204" charset="0"/>
-              </a:rPr>
-              <a:t>” </a:t>
-            </a:r>
-            <a:r>
-              <a:rPr lang="ru-RU" altLang="en-US" sz="2000">
-                <a:solidFill>
-                  <a:schemeClr val="bg1"/>
-                </a:solidFill>
-                <a:latin typeface="Comic Sans MS" panose="030F0702030302020204" charset="0"/>
-                <a:cs typeface="Comic Sans MS" panose="030F0702030302020204" charset="0"/>
-              </a:rPr>
-              <a:t>выйдет окно с информацией о языке, информация которого взята из </a:t>
-            </a:r>
-            <a:r>
-              <a:rPr lang="en-US" altLang="en-US" sz="2000">
-                <a:solidFill>
-                  <a:schemeClr val="bg1"/>
+                  <a:srgbClr val="00B0F0"/>
                 </a:solidFill>
                 <a:latin typeface="Comic Sans MS" panose="030F0702030302020204" charset="0"/>
                 <a:cs typeface="Comic Sans MS" panose="030F0702030302020204" charset="0"/>
@@ -4458,7 +4793,7 @@
             </a:r>
             <a:endParaRPr lang="en-US" altLang="en-US" sz="2000">
               <a:solidFill>
-                <a:schemeClr val="bg1"/>
+                <a:srgbClr val="00B0F0"/>
               </a:solidFill>
               <a:latin typeface="Comic Sans MS" panose="030F0702030302020204" charset="0"/>
               <a:cs typeface="Comic Sans MS" panose="030F0702030302020204" charset="0"/>
@@ -4510,45 +4845,441 @@
         <p:nvPr/>
       </p:nvGrpSpPr>
       <p:grpSpPr/>
-      <p:pic>
-        <p:nvPicPr>
-          <p:cNvPr id="8" name="Замещающее содержимое 7"/>
-          <p:cNvPicPr>
-            <a:picLocks noChangeAspect="1"/>
-          </p:cNvPicPr>
+      <p:sp>
+        <p:nvSpPr>
+          <p:cNvPr id="2" name="Заголовок 1"/>
+          <p:cNvSpPr>
+            <a:spLocks noGrp="1"/>
+          </p:cNvSpPr>
+          <p:nvPr>
+            <p:ph type="title"/>
+          </p:nvPr>
+        </p:nvSpPr>
+        <p:spPr/>
+        <p:txBody>
+          <a:bodyPr/>
+          <a:p>
+            <a:r>
+              <a:rPr lang="ru-RU" altLang="en-US" b="1">
+                <a:solidFill>
+                  <a:schemeClr val="bg2"/>
+                </a:solidFill>
+                <a:effectLst>
+                  <a:innerShdw blurRad="63500" dist="50800" dir="13500000">
+                    <a:srgbClr val="000000">
+                      <a:alpha val="50000"/>
+                    </a:srgbClr>
+                  </a:innerShdw>
+                </a:effectLst>
+                <a:sym typeface="+mn-ea"/>
+              </a:rPr>
+              <a:t>Классы и методы</a:t>
+            </a:r>
+            <a:endParaRPr lang="ru-RU" altLang="en-US" b="1">
+              <a:solidFill>
+                <a:schemeClr val="bg2"/>
+              </a:solidFill>
+              <a:effectLst>
+                <a:innerShdw blurRad="63500" dist="50800" dir="13500000">
+                  <a:srgbClr val="000000">
+                    <a:alpha val="50000"/>
+                  </a:srgbClr>
+                </a:innerShdw>
+              </a:effectLst>
+              <a:sym typeface="+mn-ea"/>
+            </a:endParaRPr>
+          </a:p>
+        </p:txBody>
+      </p:sp>
+      <p:sp>
+        <p:nvSpPr>
+          <p:cNvPr id="3" name="Замещающее содержимое 2"/>
+          <p:cNvSpPr>
+            <a:spLocks noGrp="1"/>
+          </p:cNvSpPr>
           <p:nvPr>
             <p:ph idx="1"/>
           </p:nvPr>
-        </p:nvPicPr>
-        <p:blipFill>
-          <a:blip r:embed="rId1"/>
-          <a:stretch>
-            <a:fillRect/>
-          </a:stretch>
-        </p:blipFill>
-        <p:spPr>
-          <a:xfrm>
-            <a:off x="1471295" y="355600"/>
-            <a:ext cx="9249410" cy="6147435"/>
-          </a:xfrm>
-          <a:prstGeom prst="rect">
-            <a:avLst/>
-          </a:prstGeom>
-        </p:spPr>
-      </p:pic>
-      <p:sp>
-        <p:nvSpPr>
-          <p:cNvPr id="9" name="Заголовок 8"/>
-          <p:cNvSpPr/>
-          <p:nvPr>
-            <p:ph type="title"/>
-          </p:nvPr>
         </p:nvSpPr>
         <p:spPr/>
         <p:txBody>
           <a:bodyPr/>
           <a:p>
-            <a:endParaRPr lang="ru-RU" altLang="en-US"/>
+            <a:r>
+              <a:rPr lang="ru-RU" altLang="en-US"/>
+              <a:t></a:t>
+            </a:r>
+            <a:r>
+              <a:rPr lang="ru-RU" altLang="en-US" sz="2000">
+                <a:solidFill>
+                  <a:schemeClr val="bg1"/>
+                </a:solidFill>
+                <a:latin typeface="Comic Relief" panose="030F0902030302020204" charset="0"/>
+                <a:cs typeface="Comic Relief" panose="030F0902030302020204" charset="0"/>
+              </a:rPr>
+              <a:t>Класс </a:t>
+            </a:r>
+            <a:r>
+              <a:rPr lang="ru-RU" altLang="en-US" sz="2000" b="1" i="1">
+                <a:solidFill>
+                  <a:srgbClr val="00B0F0"/>
+                </a:solidFill>
+                <a:latin typeface="Comic Relief" panose="030F0902030302020204" charset="0"/>
+                <a:cs typeface="Comic Relief" panose="030F0902030302020204" charset="0"/>
+              </a:rPr>
+              <a:t>Translate</a:t>
+            </a:r>
+            <a:r>
+              <a:rPr lang="ru-RU" altLang="en-US" sz="2000" b="1">
+                <a:solidFill>
+                  <a:schemeClr val="bg1"/>
+                </a:solidFill>
+                <a:latin typeface="Comic Sans MS" panose="030F0702030302020204" charset="0"/>
+                <a:cs typeface="Comic Sans MS" panose="030F0702030302020204" charset="0"/>
+              </a:rPr>
+              <a:t> </a:t>
+            </a:r>
+            <a:r>
+              <a:rPr lang="ru-RU" altLang="en-US" sz="2000">
+                <a:solidFill>
+                  <a:schemeClr val="bg1"/>
+                </a:solidFill>
+                <a:latin typeface="Comic Sans MS" panose="030F0702030302020204" charset="0"/>
+                <a:cs typeface="Comic Sans MS" panose="030F0702030302020204" charset="0"/>
+              </a:rPr>
+              <a:t>- основной класс, в котором выполняются все основные функции программы</a:t>
+            </a:r>
+            <a:endParaRPr lang="ru-RU" altLang="en-US" sz="2000">
+              <a:solidFill>
+                <a:schemeClr val="bg1"/>
+              </a:solidFill>
+              <a:latin typeface="Comic Sans MS" panose="030F0702030302020204" charset="0"/>
+              <a:cs typeface="Comic Sans MS" panose="030F0702030302020204" charset="0"/>
+            </a:endParaRPr>
+          </a:p>
+          <a:p>
+            <a:r>
+              <a:rPr lang="ru-RU" altLang="en-US" sz="2000">
+                <a:solidFill>
+                  <a:schemeClr val="bg1"/>
+                </a:solidFill>
+                <a:latin typeface="Comic Sans MS" panose="030F0702030302020204" charset="0"/>
+                <a:cs typeface="Comic Sans MS" panose="030F0702030302020204" charset="0"/>
+              </a:rPr>
+              <a:t> Метод </a:t>
+            </a:r>
+            <a:r>
+              <a:rPr lang="ru-RU" altLang="en-US" sz="2000" b="1" i="1">
+                <a:solidFill>
+                  <a:srgbClr val="00B0F0"/>
+                </a:solidFill>
+                <a:latin typeface="Comic Sans MS" panose="030F0702030302020204" charset="0"/>
+                <a:cs typeface="Comic Sans MS" panose="030F0702030302020204" charset="0"/>
+              </a:rPr>
+              <a:t>start</a:t>
+            </a:r>
+            <a:r>
+              <a:rPr lang="ru-RU" altLang="en-US" sz="2000" b="1" i="1">
+                <a:solidFill>
+                  <a:schemeClr val="bg1"/>
+                </a:solidFill>
+                <a:latin typeface="Comic Sans MS" panose="030F0702030302020204" charset="0"/>
+                <a:cs typeface="Comic Sans MS" panose="030F0702030302020204" charset="0"/>
+              </a:rPr>
+              <a:t> </a:t>
+            </a:r>
+            <a:r>
+              <a:rPr lang="ru-RU" altLang="en-US" sz="2000">
+                <a:solidFill>
+                  <a:schemeClr val="bg1"/>
+                </a:solidFill>
+                <a:latin typeface="Comic Sans MS" panose="030F0702030302020204" charset="0"/>
+                <a:cs typeface="Comic Sans MS" panose="030F0702030302020204" charset="0"/>
+              </a:rPr>
+              <a:t>отвечает за выполнение главной функции - перевода текста</a:t>
+            </a:r>
+            <a:endParaRPr lang="ru-RU" altLang="en-US" sz="2000">
+              <a:solidFill>
+                <a:schemeClr val="bg1"/>
+              </a:solidFill>
+              <a:latin typeface="Comic Sans MS" panose="030F0702030302020204" charset="0"/>
+              <a:cs typeface="Comic Sans MS" panose="030F0702030302020204" charset="0"/>
+            </a:endParaRPr>
+          </a:p>
+          <a:p>
+            <a:r>
+              <a:rPr lang="ru-RU" altLang="en-US" sz="2000">
+                <a:solidFill>
+                  <a:schemeClr val="bg1"/>
+                </a:solidFill>
+                <a:latin typeface="Comic Sans MS" panose="030F0702030302020204" charset="0"/>
+                <a:cs typeface="Comic Sans MS" panose="030F0702030302020204" charset="0"/>
+              </a:rPr>
+              <a:t> Метод </a:t>
+            </a:r>
+            <a:r>
+              <a:rPr lang="ru-RU" altLang="en-US" sz="2000" b="1" i="1">
+                <a:solidFill>
+                  <a:srgbClr val="00B0F0"/>
+                </a:solidFill>
+                <a:latin typeface="Comic Sans MS" panose="030F0702030302020204" charset="0"/>
+                <a:cs typeface="Comic Sans MS" panose="030F0702030302020204" charset="0"/>
+              </a:rPr>
+              <a:t>open_second_form </a:t>
+            </a:r>
+            <a:r>
+              <a:rPr lang="ru-RU" altLang="en-US" sz="2000">
+                <a:solidFill>
+                  <a:schemeClr val="bg1"/>
+                </a:solidFill>
+                <a:latin typeface="Comic Sans MS" panose="030F0702030302020204" charset="0"/>
+                <a:cs typeface="Comic Sans MS" panose="030F0702030302020204" charset="0"/>
+              </a:rPr>
+              <a:t>и </a:t>
+            </a:r>
+            <a:r>
+              <a:rPr lang="ru-RU" altLang="en-US" sz="2000" b="1" i="1">
+                <a:solidFill>
+                  <a:srgbClr val="00B0F0"/>
+                </a:solidFill>
+                <a:latin typeface="Comic Sans MS" panose="030F0702030302020204" charset="0"/>
+                <a:cs typeface="Comic Sans MS" panose="030F0702030302020204" charset="0"/>
+              </a:rPr>
+              <a:t>open_second_form1</a:t>
+            </a:r>
+            <a:r>
+              <a:rPr lang="ru-RU" altLang="en-US" sz="2000" b="1" i="1">
+                <a:solidFill>
+                  <a:schemeClr val="bg1"/>
+                </a:solidFill>
+                <a:latin typeface="Comic Sans MS" panose="030F0702030302020204" charset="0"/>
+                <a:cs typeface="Comic Sans MS" panose="030F0702030302020204" charset="0"/>
+              </a:rPr>
+              <a:t> </a:t>
+            </a:r>
+            <a:r>
+              <a:rPr lang="ru-RU" altLang="en-US" sz="2000">
+                <a:solidFill>
+                  <a:schemeClr val="bg1"/>
+                </a:solidFill>
+                <a:latin typeface="Comic Sans MS" panose="030F0702030302020204" charset="0"/>
+                <a:cs typeface="Comic Sans MS" panose="030F0702030302020204" charset="0"/>
+              </a:rPr>
+              <a:t>отвечают за открытие доп. Окон (для выбора языка)</a:t>
+            </a:r>
+            <a:endParaRPr lang="ru-RU" altLang="en-US" sz="2000">
+              <a:solidFill>
+                <a:schemeClr val="bg1"/>
+              </a:solidFill>
+              <a:latin typeface="Comic Sans MS" panose="030F0702030302020204" charset="0"/>
+              <a:cs typeface="Comic Sans MS" panose="030F0702030302020204" charset="0"/>
+            </a:endParaRPr>
+          </a:p>
+          <a:p>
+            <a:r>
+              <a:rPr lang="ru-RU" altLang="en-US" sz="2000">
+                <a:solidFill>
+                  <a:schemeClr val="bg1"/>
+                </a:solidFill>
+                <a:latin typeface="Comic Sans MS" panose="030F0702030302020204" charset="0"/>
+                <a:cs typeface="Comic Sans MS" panose="030F0702030302020204" charset="0"/>
+              </a:rPr>
+              <a:t> Метод </a:t>
+            </a:r>
+            <a:r>
+              <a:rPr lang="ru-RU" altLang="en-US" sz="2000" b="1" i="1">
+                <a:solidFill>
+                  <a:srgbClr val="00B0F0"/>
+                </a:solidFill>
+                <a:latin typeface="Comic Sans MS" panose="030F0702030302020204" charset="0"/>
+                <a:cs typeface="Comic Sans MS" panose="030F0702030302020204" charset="0"/>
+              </a:rPr>
+              <a:t>get_translate</a:t>
+            </a:r>
+            <a:r>
+              <a:rPr lang="ru-RU" altLang="en-US" sz="2000">
+                <a:solidFill>
+                  <a:schemeClr val="bg1"/>
+                </a:solidFill>
+                <a:latin typeface="Comic Sans MS" panose="030F0702030302020204" charset="0"/>
+                <a:cs typeface="Comic Sans MS" panose="030F0702030302020204" charset="0"/>
+              </a:rPr>
+              <a:t> требуется для определения языка, который выбрал пользователь </a:t>
+            </a:r>
+            <a:endParaRPr lang="ru-RU" altLang="en-US" sz="2000">
+              <a:solidFill>
+                <a:schemeClr val="bg1"/>
+              </a:solidFill>
+              <a:latin typeface="Comic Sans MS" panose="030F0702030302020204" charset="0"/>
+              <a:cs typeface="Comic Sans MS" panose="030F0702030302020204" charset="0"/>
+            </a:endParaRPr>
+          </a:p>
+          <a:p>
+            <a:r>
+              <a:rPr lang="ru-RU" altLang="en-US" sz="2000">
+                <a:solidFill>
+                  <a:schemeClr val="bg1"/>
+                </a:solidFill>
+                <a:latin typeface="Comic Sans MS" panose="030F0702030302020204" charset="0"/>
+                <a:cs typeface="Comic Sans MS" panose="030F0702030302020204" charset="0"/>
+              </a:rPr>
+              <a:t> Метод </a:t>
+            </a:r>
+            <a:r>
+              <a:rPr lang="ru-RU" altLang="en-US" sz="2000" b="1" i="1">
+                <a:solidFill>
+                  <a:srgbClr val="00B0F0"/>
+                </a:solidFill>
+                <a:latin typeface="Comic Sans MS" panose="030F0702030302020204" charset="0"/>
+                <a:cs typeface="Comic Sans MS" panose="030F0702030302020204" charset="0"/>
+              </a:rPr>
+              <a:t>change</a:t>
+            </a:r>
+            <a:r>
+              <a:rPr lang="ru-RU" altLang="en-US" sz="2000" b="1" i="1">
+                <a:solidFill>
+                  <a:schemeClr val="bg1"/>
+                </a:solidFill>
+                <a:latin typeface="Comic Sans MS" panose="030F0702030302020204" charset="0"/>
+                <a:cs typeface="Comic Sans MS" panose="030F0702030302020204" charset="0"/>
+              </a:rPr>
+              <a:t> </a:t>
+            </a:r>
+            <a:r>
+              <a:rPr lang="ru-RU" altLang="en-US" sz="2000">
+                <a:solidFill>
+                  <a:schemeClr val="bg1"/>
+                </a:solidFill>
+                <a:latin typeface="Comic Sans MS" panose="030F0702030302020204" charset="0"/>
+                <a:cs typeface="Comic Sans MS" panose="030F0702030302020204" charset="0"/>
+              </a:rPr>
+              <a:t>отвечает за выполнение смены языков между собой, при нажатии определённой кнопки</a:t>
+            </a:r>
+            <a:endParaRPr lang="ru-RU" altLang="en-US" sz="2000">
+              <a:solidFill>
+                <a:schemeClr val="bg1"/>
+              </a:solidFill>
+              <a:latin typeface="Comic Sans MS" panose="030F0702030302020204" charset="0"/>
+              <a:cs typeface="Comic Sans MS" panose="030F0702030302020204" charset="0"/>
+            </a:endParaRPr>
+          </a:p>
+          <a:p>
+            <a:r>
+              <a:rPr lang="ru-RU" altLang="en-US" sz="2000">
+                <a:solidFill>
+                  <a:schemeClr val="bg1"/>
+                </a:solidFill>
+                <a:latin typeface="Comic Sans MS" panose="030F0702030302020204" charset="0"/>
+                <a:cs typeface="Comic Sans MS" panose="030F0702030302020204" charset="0"/>
+              </a:rPr>
+              <a:t> Методы </a:t>
+            </a:r>
+            <a:r>
+              <a:rPr lang="ru-RU" altLang="en-US" sz="2000" b="1" i="1">
+                <a:solidFill>
+                  <a:srgbClr val="00B0F0"/>
+                </a:solidFill>
+                <a:latin typeface="Comic Sans MS" panose="030F0702030302020204" charset="0"/>
+                <a:cs typeface="Comic Sans MS" panose="030F0702030302020204" charset="0"/>
+              </a:rPr>
+              <a:t>copy_paste_fun </a:t>
+            </a:r>
+            <a:r>
+              <a:rPr lang="ru-RU" altLang="en-US" sz="2000">
+                <a:solidFill>
+                  <a:schemeClr val="bg1"/>
+                </a:solidFill>
+                <a:latin typeface="Comic Sans MS" panose="030F0702030302020204" charset="0"/>
+                <a:cs typeface="Comic Sans MS" panose="030F0702030302020204" charset="0"/>
+              </a:rPr>
+              <a:t>и </a:t>
+            </a:r>
+            <a:r>
+              <a:rPr lang="ru-RU" altLang="en-US" sz="2000" b="1" i="1">
+                <a:solidFill>
+                  <a:srgbClr val="00B0F0"/>
+                </a:solidFill>
+                <a:latin typeface="Comic Sans MS" panose="030F0702030302020204" charset="0"/>
+                <a:cs typeface="Comic Sans MS" panose="030F0702030302020204" charset="0"/>
+              </a:rPr>
+              <a:t>copy_paste_fun_2</a:t>
+            </a:r>
+            <a:r>
+              <a:rPr lang="ru-RU" altLang="en-US" sz="2000">
+                <a:solidFill>
+                  <a:srgbClr val="00B0F0"/>
+                </a:solidFill>
+                <a:latin typeface="Comic Sans MS" panose="030F0702030302020204" charset="0"/>
+                <a:cs typeface="Comic Sans MS" panose="030F0702030302020204" charset="0"/>
+              </a:rPr>
+              <a:t> </a:t>
+            </a:r>
+            <a:r>
+              <a:rPr lang="ru-RU" altLang="en-US" sz="2000">
+                <a:solidFill>
+                  <a:schemeClr val="bg1"/>
+                </a:solidFill>
+                <a:latin typeface="Comic Sans MS" panose="030F0702030302020204" charset="0"/>
+                <a:cs typeface="Comic Sans MS" panose="030F0702030302020204" charset="0"/>
+              </a:rPr>
+              <a:t>выполняют функцию копирования текста в буфер обмен пользователя </a:t>
+            </a:r>
+            <a:endParaRPr lang="ru-RU" altLang="en-US" sz="2000">
+              <a:solidFill>
+                <a:schemeClr val="bg1"/>
+              </a:solidFill>
+              <a:latin typeface="Comic Sans MS" panose="030F0702030302020204" charset="0"/>
+              <a:cs typeface="Comic Sans MS" panose="030F0702030302020204" charset="0"/>
+            </a:endParaRPr>
+          </a:p>
+          <a:p>
+            <a:r>
+              <a:rPr lang="ru-RU" altLang="en-US" sz="2000">
+                <a:solidFill>
+                  <a:schemeClr val="bg1"/>
+                </a:solidFill>
+                <a:latin typeface="Comic Sans MS" panose="030F0702030302020204" charset="0"/>
+                <a:cs typeface="Comic Sans MS" panose="030F0702030302020204" charset="0"/>
+              </a:rPr>
+              <a:t> Метод </a:t>
+            </a:r>
+            <a:r>
+              <a:rPr lang="ru-RU" altLang="en-US" sz="2000" b="1" i="1">
+                <a:solidFill>
+                  <a:srgbClr val="00B0F0"/>
+                </a:solidFill>
+                <a:latin typeface="Comic Sans MS" panose="030F0702030302020204" charset="0"/>
+                <a:cs typeface="Comic Sans MS" panose="030F0702030302020204" charset="0"/>
+              </a:rPr>
+              <a:t>keyPressEvent</a:t>
+            </a:r>
+            <a:r>
+              <a:rPr lang="ru-RU" altLang="en-US" sz="2000">
+                <a:solidFill>
+                  <a:schemeClr val="bg1"/>
+                </a:solidFill>
+                <a:latin typeface="Comic Sans MS" panose="030F0702030302020204" charset="0"/>
+                <a:cs typeface="Comic Sans MS" panose="030F0702030302020204" charset="0"/>
+              </a:rPr>
+              <a:t> отвечает за перевод текста при нажатии на </a:t>
+            </a:r>
+            <a:r>
+              <a:rPr lang="ru-RU" altLang="en-US" sz="2000" b="1" i="1">
+                <a:solidFill>
+                  <a:srgbClr val="00B0F0"/>
+                </a:solidFill>
+                <a:latin typeface="Comic Sans MS" panose="030F0702030302020204" charset="0"/>
+                <a:cs typeface="Comic Sans MS" panose="030F0702030302020204" charset="0"/>
+              </a:rPr>
+              <a:t>Shift</a:t>
+            </a:r>
+            <a:endParaRPr lang="ru-RU" altLang="en-US" sz="2000" b="1" i="1">
+              <a:solidFill>
+                <a:srgbClr val="00B0F0"/>
+              </a:solidFill>
+              <a:latin typeface="Comic Sans MS" panose="030F0702030302020204" charset="0"/>
+              <a:cs typeface="Comic Sans MS" panose="030F0702030302020204" charset="0"/>
+            </a:endParaRPr>
           </a:p>
         </p:txBody>
       </p:sp>
@@ -4592,6 +5323,612 @@
         <p:txBody>
           <a:bodyPr/>
           <a:p>
+            <a:endParaRPr lang="ru-RU" altLang="en-US"/>
+          </a:p>
+        </p:txBody>
+      </p:sp>
+      <p:sp>
+        <p:nvSpPr>
+          <p:cNvPr id="3" name="Замещающее содержимое 2"/>
+          <p:cNvSpPr>
+            <a:spLocks noGrp="1"/>
+          </p:cNvSpPr>
+          <p:nvPr>
+            <p:ph idx="1"/>
+          </p:nvPr>
+        </p:nvSpPr>
+        <p:spPr>
+          <a:xfrm>
+            <a:off x="213360" y="539115"/>
+            <a:ext cx="11369040" cy="5587365"/>
+          </a:xfrm>
+        </p:spPr>
+        <p:txBody>
+          <a:bodyPr/>
+          <a:p>
+            <a:r>
+              <a:rPr lang="ru-RU" altLang="en-US"/>
+              <a:t></a:t>
+            </a:r>
+            <a:r>
+              <a:rPr lang="ru-RU" altLang="en-US" sz="2000">
+                <a:solidFill>
+                  <a:schemeClr val="bg1"/>
+                </a:solidFill>
+                <a:latin typeface="Comic Sans MS" panose="030F0702030302020204" charset="0"/>
+                <a:cs typeface="Comic Sans MS" panose="030F0702030302020204" charset="0"/>
+              </a:rPr>
+              <a:t>Классы</a:t>
+            </a:r>
+            <a:r>
+              <a:rPr lang="ru-RU" altLang="en-US" sz="2000">
+                <a:solidFill>
+                  <a:srgbClr val="00B0F0"/>
+                </a:solidFill>
+                <a:latin typeface="Comic Sans MS" panose="030F0702030302020204" charset="0"/>
+                <a:cs typeface="Comic Sans MS" panose="030F0702030302020204" charset="0"/>
+              </a:rPr>
+              <a:t> </a:t>
+            </a:r>
+            <a:r>
+              <a:rPr lang="ru-RU" altLang="en-US" sz="2000" b="1" i="1">
+                <a:solidFill>
+                  <a:srgbClr val="00B0F0"/>
+                </a:solidFill>
+                <a:latin typeface="Comic Sans MS" panose="030F0702030302020204" charset="0"/>
+                <a:cs typeface="Comic Sans MS" panose="030F0702030302020204" charset="0"/>
+              </a:rPr>
+              <a:t>SecondForm</a:t>
+            </a:r>
+            <a:r>
+              <a:rPr lang="ru-RU" altLang="en-US" sz="2000">
+                <a:solidFill>
+                  <a:schemeClr val="bg1"/>
+                </a:solidFill>
+                <a:latin typeface="Comic Sans MS" panose="030F0702030302020204" charset="0"/>
+                <a:cs typeface="Comic Sans MS" panose="030F0702030302020204" charset="0"/>
+              </a:rPr>
+              <a:t>, </a:t>
+            </a:r>
+            <a:r>
+              <a:rPr lang="ru-RU" altLang="en-US" sz="2000" b="1" i="1">
+                <a:solidFill>
+                  <a:srgbClr val="00B0F0"/>
+                </a:solidFill>
+                <a:latin typeface="Comic Sans MS" panose="030F0702030302020204" charset="0"/>
+                <a:cs typeface="Comic Sans MS" panose="030F0702030302020204" charset="0"/>
+              </a:rPr>
+              <a:t>SecondForm_2</a:t>
+            </a:r>
+            <a:r>
+              <a:rPr lang="ru-RU" altLang="en-US" sz="2000" b="1" i="1">
+                <a:solidFill>
+                  <a:schemeClr val="bg1"/>
+                </a:solidFill>
+                <a:latin typeface="Comic Sans MS" panose="030F0702030302020204" charset="0"/>
+                <a:cs typeface="Comic Sans MS" panose="030F0702030302020204" charset="0"/>
+              </a:rPr>
+              <a:t> </a:t>
+            </a:r>
+            <a:r>
+              <a:rPr lang="ru-RU" altLang="en-US" sz="2000">
+                <a:solidFill>
+                  <a:schemeClr val="bg1"/>
+                </a:solidFill>
+                <a:latin typeface="Comic Sans MS" panose="030F0702030302020204" charset="0"/>
+                <a:cs typeface="Comic Sans MS" panose="030F0702030302020204" charset="0"/>
+              </a:rPr>
+              <a:t>- классы, выполняющие функцию выбора языка</a:t>
+            </a:r>
+            <a:endParaRPr lang="ru-RU" altLang="en-US" sz="2000">
+              <a:solidFill>
+                <a:schemeClr val="bg1"/>
+              </a:solidFill>
+              <a:latin typeface="Comic Sans MS" panose="030F0702030302020204" charset="0"/>
+              <a:cs typeface="Comic Sans MS" panose="030F0702030302020204" charset="0"/>
+            </a:endParaRPr>
+          </a:p>
+          <a:p>
+            <a:r>
+              <a:rPr lang="ru-RU" altLang="en-US" sz="2000">
+                <a:solidFill>
+                  <a:schemeClr val="bg1"/>
+                </a:solidFill>
+                <a:latin typeface="Comic Sans MS" panose="030F0702030302020204" charset="0"/>
+                <a:cs typeface="Comic Sans MS" panose="030F0702030302020204" charset="0"/>
+              </a:rPr>
+              <a:t> Метод </a:t>
+            </a:r>
+            <a:r>
+              <a:rPr lang="ru-RU" altLang="en-US" sz="2000" b="1" i="1">
+                <a:solidFill>
+                  <a:srgbClr val="00B0F0"/>
+                </a:solidFill>
+                <a:latin typeface="Comic Sans MS" panose="030F0702030302020204" charset="0"/>
+                <a:cs typeface="Comic Sans MS" panose="030F0702030302020204" charset="0"/>
+              </a:rPr>
+              <a:t>select_lan</a:t>
+            </a:r>
+            <a:r>
+              <a:rPr lang="ru-RU" altLang="en-US" sz="2000">
+                <a:solidFill>
+                  <a:schemeClr val="bg1"/>
+                </a:solidFill>
+                <a:latin typeface="Comic Sans MS" panose="030F0702030302020204" charset="0"/>
+                <a:cs typeface="Comic Sans MS" panose="030F0702030302020204" charset="0"/>
+              </a:rPr>
+              <a:t> выполняет выбор языка и передачи его в основной класс </a:t>
+            </a:r>
+            <a:endParaRPr lang="ru-RU" altLang="en-US" sz="2000">
+              <a:solidFill>
+                <a:schemeClr val="bg1"/>
+              </a:solidFill>
+              <a:latin typeface="Comic Sans MS" panose="030F0702030302020204" charset="0"/>
+              <a:cs typeface="Comic Sans MS" panose="030F0702030302020204" charset="0"/>
+            </a:endParaRPr>
+          </a:p>
+          <a:p>
+            <a:r>
+              <a:rPr lang="ru-RU" altLang="en-US" sz="2000">
+                <a:solidFill>
+                  <a:schemeClr val="bg1"/>
+                </a:solidFill>
+                <a:latin typeface="Comic Sans MS" panose="030F0702030302020204" charset="0"/>
+                <a:cs typeface="Comic Sans MS" panose="030F0702030302020204" charset="0"/>
+              </a:rPr>
+              <a:t>Метод </a:t>
+            </a:r>
+            <a:r>
+              <a:rPr lang="ru-RU" altLang="en-US" sz="2000" b="1" i="1">
+                <a:solidFill>
+                  <a:srgbClr val="00B0F0"/>
+                </a:solidFill>
+                <a:latin typeface="Comic Sans MS" panose="030F0702030302020204" charset="0"/>
+                <a:cs typeface="Comic Sans MS" panose="030F0702030302020204" charset="0"/>
+              </a:rPr>
+              <a:t>open_second_form </a:t>
+            </a:r>
+            <a:r>
+              <a:rPr lang="ru-RU" altLang="en-US" sz="2000">
+                <a:solidFill>
+                  <a:schemeClr val="bg1"/>
+                </a:solidFill>
+                <a:latin typeface="Comic Sans MS" panose="030F0702030302020204" charset="0"/>
+                <a:cs typeface="Comic Sans MS" panose="030F0702030302020204" charset="0"/>
+              </a:rPr>
+              <a:t>выполняет функцию открытия доп. Формы с информацией о языке</a:t>
+            </a:r>
+            <a:endParaRPr lang="ru-RU" altLang="en-US" sz="2000">
+              <a:solidFill>
+                <a:schemeClr val="bg1"/>
+              </a:solidFill>
+              <a:latin typeface="Comic Sans MS" panose="030F0702030302020204" charset="0"/>
+              <a:cs typeface="Comic Sans MS" panose="030F0702030302020204" charset="0"/>
+            </a:endParaRPr>
+          </a:p>
+          <a:p>
+            <a:r>
+              <a:rPr lang="ru-RU" altLang="en-US" sz="2000">
+                <a:solidFill>
+                  <a:schemeClr val="bg1"/>
+                </a:solidFill>
+                <a:latin typeface="Comic Sans MS" panose="030F0702030302020204" charset="0"/>
+                <a:cs typeface="Comic Sans MS" panose="030F0702030302020204" charset="0"/>
+              </a:rPr>
+              <a:t>Метод </a:t>
+            </a:r>
+            <a:r>
+              <a:rPr lang="ru-RU" altLang="en-US" sz="2000" b="1" i="1">
+                <a:solidFill>
+                  <a:srgbClr val="00B0F0"/>
+                </a:solidFill>
+                <a:latin typeface="Comic Sans MS" panose="030F0702030302020204" charset="0"/>
+                <a:cs typeface="Comic Sans MS" panose="030F0702030302020204" charset="0"/>
+              </a:rPr>
+              <a:t>clicked_check </a:t>
+            </a:r>
+            <a:r>
+              <a:rPr lang="ru-RU" altLang="en-US" sz="2000">
+                <a:solidFill>
+                  <a:schemeClr val="bg1"/>
+                </a:solidFill>
+                <a:latin typeface="Comic Sans MS" panose="030F0702030302020204" charset="0"/>
+                <a:cs typeface="Comic Sans MS" panose="030F0702030302020204" charset="0"/>
+              </a:rPr>
+              <a:t>отвечает за проверку нажатии кнопки выбора языка</a:t>
+            </a:r>
+            <a:endParaRPr lang="ru-RU" altLang="en-US" sz="2000">
+              <a:solidFill>
+                <a:schemeClr val="bg1"/>
+              </a:solidFill>
+              <a:latin typeface="Comic Sans MS" panose="030F0702030302020204" charset="0"/>
+              <a:cs typeface="Comic Sans MS" panose="030F0702030302020204" charset="0"/>
+            </a:endParaRPr>
+          </a:p>
+          <a:p>
+            <a:endParaRPr lang="ru-RU" altLang="en-US" sz="2000">
+              <a:solidFill>
+                <a:schemeClr val="bg1"/>
+              </a:solidFill>
+              <a:latin typeface="Comic Sans MS" panose="030F0702030302020204" charset="0"/>
+              <a:cs typeface="Comic Sans MS" panose="030F0702030302020204" charset="0"/>
+            </a:endParaRPr>
+          </a:p>
+          <a:p>
+            <a:r>
+              <a:rPr lang="ru-RU" altLang="en-US" sz="2000">
+                <a:solidFill>
+                  <a:schemeClr val="bg1"/>
+                </a:solidFill>
+                <a:latin typeface="Comic Sans MS" panose="030F0702030302020204" charset="0"/>
+                <a:cs typeface="Comic Sans MS" panose="030F0702030302020204" charset="0"/>
+              </a:rPr>
+              <a:t>Класс </a:t>
+            </a:r>
+            <a:r>
+              <a:rPr lang="ru-RU" altLang="en-US" sz="2000" b="1" i="1">
+                <a:solidFill>
+                  <a:srgbClr val="00B0F0"/>
+                </a:solidFill>
+                <a:latin typeface="Comic Sans MS" panose="030F0702030302020204" charset="0"/>
+                <a:cs typeface="Comic Sans MS" panose="030F0702030302020204" charset="0"/>
+              </a:rPr>
+              <a:t>History_Form</a:t>
+            </a:r>
+            <a:r>
+              <a:rPr lang="ru-RU" altLang="en-US" sz="2000">
+                <a:solidFill>
+                  <a:schemeClr val="bg1"/>
+                </a:solidFill>
+                <a:latin typeface="Comic Sans MS" panose="030F0702030302020204" charset="0"/>
+                <a:cs typeface="Comic Sans MS" panose="030F0702030302020204" charset="0"/>
+              </a:rPr>
+              <a:t> - класс, выдаваемый информацию о языке</a:t>
+            </a:r>
+            <a:endParaRPr lang="ru-RU" altLang="en-US" sz="2000">
+              <a:solidFill>
+                <a:schemeClr val="bg1"/>
+              </a:solidFill>
+              <a:latin typeface="Comic Sans MS" panose="030F0702030302020204" charset="0"/>
+              <a:cs typeface="Comic Sans MS" panose="030F0702030302020204" charset="0"/>
+            </a:endParaRPr>
+          </a:p>
+          <a:p>
+            <a:r>
+              <a:rPr lang="ru-RU" altLang="en-US" sz="2000">
+                <a:solidFill>
+                  <a:schemeClr val="bg1"/>
+                </a:solidFill>
+                <a:latin typeface="Comic Sans MS" panose="030F0702030302020204" charset="0"/>
+                <a:cs typeface="Comic Sans MS" panose="030F0702030302020204" charset="0"/>
+              </a:rPr>
+              <a:t>Метод </a:t>
+            </a:r>
+            <a:r>
+              <a:rPr lang="ru-RU" altLang="en-US" sz="2000" b="1" i="1">
+                <a:solidFill>
+                  <a:srgbClr val="00B0F0"/>
+                </a:solidFill>
+                <a:latin typeface="Comic Sans MS" panose="030F0702030302020204" charset="0"/>
+                <a:cs typeface="Comic Sans MS" panose="030F0702030302020204" charset="0"/>
+              </a:rPr>
+              <a:t>update_fun</a:t>
+            </a:r>
+            <a:r>
+              <a:rPr lang="ru-RU" altLang="en-US" sz="2000">
+                <a:solidFill>
+                  <a:schemeClr val="bg1"/>
+                </a:solidFill>
+                <a:latin typeface="Comic Sans MS" panose="030F0702030302020204" charset="0"/>
+                <a:cs typeface="Comic Sans MS" panose="030F0702030302020204" charset="0"/>
+              </a:rPr>
+              <a:t> отвечает за открытие доп. Окна</a:t>
+            </a:r>
+            <a:endParaRPr lang="ru-RU" altLang="en-US" sz="2000">
+              <a:solidFill>
+                <a:schemeClr val="bg1"/>
+              </a:solidFill>
+              <a:latin typeface="Comic Sans MS" panose="030F0702030302020204" charset="0"/>
+              <a:cs typeface="Comic Sans MS" panose="030F0702030302020204" charset="0"/>
+            </a:endParaRPr>
+          </a:p>
+          <a:p>
+            <a:r>
+              <a:rPr lang="ru-RU" altLang="en-US" sz="2000">
+                <a:solidFill>
+                  <a:schemeClr val="bg1"/>
+                </a:solidFill>
+                <a:latin typeface="Comic Sans MS" panose="030F0702030302020204" charset="0"/>
+                <a:cs typeface="Comic Sans MS" panose="030F0702030302020204" charset="0"/>
+              </a:rPr>
+              <a:t>Класс </a:t>
+            </a:r>
+            <a:r>
+              <a:rPr lang="ru-RU" altLang="en-US" sz="2000" b="1" i="1">
+                <a:solidFill>
+                  <a:srgbClr val="00B0F0"/>
+                </a:solidFill>
+                <a:latin typeface="Comic Sans MS" panose="030F0702030302020204" charset="0"/>
+                <a:cs typeface="Comic Sans MS" panose="030F0702030302020204" charset="0"/>
+              </a:rPr>
+              <a:t>Update_form</a:t>
+            </a:r>
+            <a:r>
+              <a:rPr lang="ru-RU" altLang="en-US" sz="2000">
+                <a:solidFill>
+                  <a:schemeClr val="bg1"/>
+                </a:solidFill>
+                <a:latin typeface="Comic Sans MS" panose="030F0702030302020204" charset="0"/>
+                <a:cs typeface="Comic Sans MS" panose="030F0702030302020204" charset="0"/>
+              </a:rPr>
+              <a:t> - класс, в котором пользователь может дополнить информацию о языке.</a:t>
+            </a:r>
+            <a:endParaRPr lang="ru-RU" altLang="en-US" sz="2000">
+              <a:solidFill>
+                <a:schemeClr val="bg1"/>
+              </a:solidFill>
+              <a:latin typeface="Comic Sans MS" panose="030F0702030302020204" charset="0"/>
+              <a:cs typeface="Comic Sans MS" panose="030F0702030302020204" charset="0"/>
+            </a:endParaRPr>
+          </a:p>
+          <a:p>
+            <a:r>
+              <a:rPr lang="ru-RU" altLang="en-US" sz="2000">
+                <a:solidFill>
+                  <a:schemeClr val="bg1"/>
+                </a:solidFill>
+                <a:latin typeface="Comic Sans MS" panose="030F0702030302020204" charset="0"/>
+                <a:cs typeface="Comic Sans MS" panose="030F0702030302020204" charset="0"/>
+              </a:rPr>
+              <a:t>Метод </a:t>
+            </a:r>
+            <a:r>
+              <a:rPr lang="ru-RU" altLang="en-US" sz="2000" b="1" i="1">
+                <a:solidFill>
+                  <a:srgbClr val="00B0F0"/>
+                </a:solidFill>
+                <a:latin typeface="Comic Sans MS" panose="030F0702030302020204" charset="0"/>
+                <a:cs typeface="Comic Sans MS" panose="030F0702030302020204" charset="0"/>
+              </a:rPr>
+              <a:t>update_info</a:t>
+            </a:r>
+            <a:r>
+              <a:rPr lang="ru-RU" altLang="en-US" sz="2000">
+                <a:solidFill>
+                  <a:schemeClr val="bg1"/>
+                </a:solidFill>
+                <a:latin typeface="Comic Sans MS" panose="030F0702030302020204" charset="0"/>
+                <a:cs typeface="Comic Sans MS" panose="030F0702030302020204" charset="0"/>
+              </a:rPr>
+              <a:t> отвечает за изменение в </a:t>
+            </a:r>
+            <a:r>
+              <a:rPr lang="ru-RU" altLang="en-US" sz="2000" b="1" i="1">
+                <a:solidFill>
+                  <a:srgbClr val="00B0F0"/>
+                </a:solidFill>
+                <a:latin typeface="Comic Sans MS" panose="030F0702030302020204" charset="0"/>
+                <a:cs typeface="Comic Sans MS" panose="030F0702030302020204" charset="0"/>
+              </a:rPr>
+              <a:t>БД</a:t>
+            </a:r>
+            <a:endParaRPr lang="ru-RU" altLang="en-US" sz="2000" b="1" i="1">
+              <a:solidFill>
+                <a:srgbClr val="00B0F0"/>
+              </a:solidFill>
+              <a:latin typeface="Comic Sans MS" panose="030F0702030302020204" charset="0"/>
+              <a:cs typeface="Comic Sans MS" panose="030F0702030302020204" charset="0"/>
+            </a:endParaRPr>
+          </a:p>
+          <a:p>
+            <a:r>
+              <a:rPr lang="ru-RU" altLang="en-US" sz="2000">
+                <a:solidFill>
+                  <a:schemeClr val="bg1"/>
+                </a:solidFill>
+                <a:latin typeface="Comic Sans MS" panose="030F0702030302020204" charset="0"/>
+                <a:cs typeface="Comic Sans MS" panose="030F0702030302020204" charset="0"/>
+              </a:rPr>
+              <a:t>Метод </a:t>
+            </a:r>
+            <a:r>
+              <a:rPr lang="ru-RU" altLang="en-US" sz="2000" b="1" i="1">
+                <a:solidFill>
+                  <a:srgbClr val="00B0F0"/>
+                </a:solidFill>
+                <a:latin typeface="Comic Sans MS" panose="030F0702030302020204" charset="0"/>
+                <a:cs typeface="Comic Sans MS" panose="030F0702030302020204" charset="0"/>
+              </a:rPr>
+              <a:t>entring_data_into_a_table</a:t>
+            </a:r>
+            <a:r>
+              <a:rPr lang="ru-RU" altLang="en-US" sz="2000">
+                <a:solidFill>
+                  <a:schemeClr val="bg1"/>
+                </a:solidFill>
+                <a:latin typeface="Comic Sans MS" panose="030F0702030302020204" charset="0"/>
+                <a:cs typeface="Comic Sans MS" panose="030F0702030302020204" charset="0"/>
+              </a:rPr>
+              <a:t> выполняет задачу заполнения </a:t>
+            </a:r>
+            <a:r>
+              <a:rPr lang="ru-RU" altLang="en-US" sz="2000" b="1" i="1">
+                <a:solidFill>
+                  <a:srgbClr val="00B0F0"/>
+                </a:solidFill>
+                <a:latin typeface="Comic Sans MS" panose="030F0702030302020204" charset="0"/>
+                <a:cs typeface="Comic Sans MS" panose="030F0702030302020204" charset="0"/>
+              </a:rPr>
+              <a:t>БД</a:t>
+            </a:r>
+            <a:r>
+              <a:rPr lang="ru-RU" altLang="en-US" sz="2000">
+                <a:solidFill>
+                  <a:schemeClr val="bg1"/>
+                </a:solidFill>
+                <a:latin typeface="Comic Sans MS" panose="030F0702030302020204" charset="0"/>
+                <a:cs typeface="Comic Sans MS" panose="030F0702030302020204" charset="0"/>
+              </a:rPr>
+              <a:t>, если </a:t>
+            </a:r>
+            <a:r>
+              <a:rPr lang="ru-RU" altLang="en-US" sz="2000" b="1" i="1">
+                <a:solidFill>
+                  <a:srgbClr val="00B0F0"/>
+                </a:solidFill>
+                <a:latin typeface="Comic Sans MS" panose="030F0702030302020204" charset="0"/>
+                <a:cs typeface="Comic Sans MS" panose="030F0702030302020204" charset="0"/>
+              </a:rPr>
+              <a:t>БД</a:t>
+            </a:r>
+            <a:r>
+              <a:rPr lang="ru-RU" altLang="en-US" sz="2000">
+                <a:solidFill>
+                  <a:schemeClr val="bg1"/>
+                </a:solidFill>
+                <a:latin typeface="Comic Sans MS" panose="030F0702030302020204" charset="0"/>
+                <a:cs typeface="Comic Sans MS" panose="030F0702030302020204" charset="0"/>
+              </a:rPr>
+              <a:t> уже заполнена, то функция выведет “</a:t>
+            </a:r>
+            <a:r>
+              <a:rPr lang="ru-RU" altLang="en-US" sz="2000" b="1" i="1">
+                <a:solidFill>
+                  <a:srgbClr val="00B0F0"/>
+                </a:solidFill>
+                <a:latin typeface="Comic Sans MS" panose="030F0702030302020204" charset="0"/>
+                <a:cs typeface="Comic Sans MS" panose="030F0702030302020204" charset="0"/>
+              </a:rPr>
+              <a:t>БД уже создан</a:t>
+            </a:r>
+            <a:r>
+              <a:rPr lang="ru-RU" altLang="en-US" sz="2000">
+                <a:solidFill>
+                  <a:schemeClr val="bg1"/>
+                </a:solidFill>
+                <a:latin typeface="Comic Sans MS" panose="030F0702030302020204" charset="0"/>
+                <a:cs typeface="Comic Sans MS" panose="030F0702030302020204" charset="0"/>
+              </a:rPr>
+              <a:t>”</a:t>
+            </a:r>
+            <a:endParaRPr lang="ru-RU" altLang="en-US" sz="2000">
+              <a:solidFill>
+                <a:schemeClr val="bg1"/>
+              </a:solidFill>
+              <a:latin typeface="Comic Sans MS" panose="030F0702030302020204" charset="0"/>
+              <a:cs typeface="Comic Sans MS" panose="030F0702030302020204" charset="0"/>
+            </a:endParaRPr>
+          </a:p>
+        </p:txBody>
+      </p:sp>
+    </p:spTree>
+  </p:cSld>
+  <p:clrMapOvr>
+    <a:masterClrMapping/>
+  </p:clrMapOvr>
+</p:sld>
+</file>
+
+<file path=ppt/slides/slide8.xml><?xml version="1.0" encoding="utf-8"?>
+<p:sld xmlns:a="http://schemas.openxmlformats.org/drawingml/2006/main" xmlns:r="http://schemas.openxmlformats.org/officeDocument/2006/relationships" xmlns:p="http://schemas.openxmlformats.org/presentationml/2006/main">
+  <p:cSld>
+    <p:bg>
+      <p:bgPr>
+        <a:solidFill>
+          <a:srgbClr val="565656"/>
+        </a:solidFill>
+        <a:effectLst/>
+      </p:bgPr>
+    </p:bg>
+    <p:spTree>
+      <p:nvGrpSpPr>
+        <p:cNvPr id="1" name=""/>
+        <p:cNvGrpSpPr/>
+        <p:nvPr/>
+      </p:nvGrpSpPr>
+      <p:grpSpPr/>
+      <p:pic>
+        <p:nvPicPr>
+          <p:cNvPr id="8" name="Замещающее содержимое 7"/>
+          <p:cNvPicPr>
+            <a:picLocks noChangeAspect="1"/>
+          </p:cNvPicPr>
+          <p:nvPr>
+            <p:ph idx="1"/>
+          </p:nvPr>
+        </p:nvPicPr>
+        <p:blipFill>
+          <a:blip r:embed="rId1"/>
+          <a:stretch>
+            <a:fillRect/>
+          </a:stretch>
+        </p:blipFill>
+        <p:spPr>
+          <a:xfrm>
+            <a:off x="1471295" y="355600"/>
+            <a:ext cx="9249410" cy="6147435"/>
+          </a:xfrm>
+          <a:prstGeom prst="rect">
+            <a:avLst/>
+          </a:prstGeom>
+        </p:spPr>
+      </p:pic>
+      <p:sp>
+        <p:nvSpPr>
+          <p:cNvPr id="9" name="Заголовок 8"/>
+          <p:cNvSpPr/>
+          <p:nvPr>
+            <p:ph type="title"/>
+          </p:nvPr>
+        </p:nvSpPr>
+        <p:spPr/>
+        <p:txBody>
+          <a:bodyPr/>
+          <a:p>
+            <a:endParaRPr lang="ru-RU" altLang="en-US"/>
+          </a:p>
+        </p:txBody>
+      </p:sp>
+    </p:spTree>
+  </p:cSld>
+  <p:clrMapOvr>
+    <a:masterClrMapping/>
+  </p:clrMapOvr>
+</p:sld>
+</file>
+
+<file path=ppt/slides/slide9.xml><?xml version="1.0" encoding="utf-8"?>
+<p:sld xmlns:a="http://schemas.openxmlformats.org/drawingml/2006/main" xmlns:r="http://schemas.openxmlformats.org/officeDocument/2006/relationships" xmlns:p="http://schemas.openxmlformats.org/presentationml/2006/main">
+  <p:cSld>
+    <p:bg>
+      <p:bgPr>
+        <a:solidFill>
+          <a:srgbClr val="565656"/>
+        </a:solidFill>
+        <a:effectLst/>
+      </p:bgPr>
+    </p:bg>
+    <p:spTree>
+      <p:nvGrpSpPr>
+        <p:cNvPr id="1" name=""/>
+        <p:cNvGrpSpPr/>
+        <p:nvPr/>
+      </p:nvGrpSpPr>
+      <p:grpSpPr/>
+      <p:sp>
+        <p:nvSpPr>
+          <p:cNvPr id="2" name="Заголовок 1"/>
+          <p:cNvSpPr>
+            <a:spLocks noGrp="1"/>
+          </p:cNvSpPr>
+          <p:nvPr>
+            <p:ph type="title"/>
+          </p:nvPr>
+        </p:nvSpPr>
+        <p:spPr/>
+        <p:txBody>
+          <a:bodyPr/>
+          <a:p>
             <a:r>
               <a:rPr lang="ru-RU" altLang="en-US">
                 <a:solidFill>
@@ -4681,7 +6018,27 @@
                 <a:latin typeface="Comic Sans MS" panose="030F0702030302020204" charset="0"/>
                 <a:cs typeface="Comic Sans MS" panose="030F0702030302020204" charset="0"/>
               </a:rPr>
-              <a:t>Расширение объема языков </a:t>
+              <a:t>Расширение </a:t>
+            </a:r>
+            <a:r>
+              <a:rPr lang="ru-RU" altLang="ru-RU">
+                <a:solidFill>
+                  <a:srgbClr val="00B0F0"/>
+                </a:solidFill>
+                <a:latin typeface="Comic Sans MS" panose="030F0702030302020204" charset="0"/>
+                <a:cs typeface="Comic Sans MS" panose="030F0702030302020204" charset="0"/>
+              </a:rPr>
+              <a:t>объема</a:t>
+            </a:r>
+            <a:r>
+              <a:rPr lang="ru-RU" altLang="ru-RU">
+                <a:solidFill>
+                  <a:schemeClr val="bg1"/>
+                </a:solidFill>
+                <a:latin typeface="Comic Sans MS" panose="030F0702030302020204" charset="0"/>
+                <a:cs typeface="Comic Sans MS" panose="030F0702030302020204" charset="0"/>
+              </a:rPr>
+              <a:t> языков </a:t>
             </a:r>
             <a:endParaRPr lang="ru-RU" altLang="ru-RU">
               <a:solidFill>
@@ -4700,7 +6057,56 @@
                 <a:latin typeface="Comic Sans MS" panose="030F0702030302020204" charset="0"/>
                 <a:cs typeface="Comic Sans MS" panose="030F0702030302020204" charset="0"/>
               </a:rPr>
-              <a:t>Возможность перевода фотографий</a:t>
+              <a:t>Возможность перевода </a:t>
+            </a:r>
+            <a:r>
+              <a:rPr lang="ru-RU" altLang="ru-RU">
+                <a:solidFill>
+                  <a:srgbClr val="00B0F0"/>
+                </a:solidFill>
+                <a:latin typeface="Comic Sans MS" panose="030F0702030302020204" charset="0"/>
+                <a:cs typeface="Comic Sans MS" panose="030F0702030302020204" charset="0"/>
+              </a:rPr>
+              <a:t>фотографий</a:t>
+            </a:r>
+            <a:endParaRPr lang="ru-RU" altLang="ru-RU">
+              <a:solidFill>
+                <a:srgbClr val="00B0F0"/>
+              </a:solidFill>
+              <a:latin typeface="Comic Sans MS" panose="030F0702030302020204" charset="0"/>
+              <a:cs typeface="Comic Sans MS" panose="030F0702030302020204" charset="0"/>
+            </a:endParaRPr>
+          </a:p>
+          <a:p>
+            <a:r>
+              <a:rPr lang="ru-RU" altLang="ru-RU">
+                <a:solidFill>
+                  <a:schemeClr val="bg1"/>
+                </a:solidFill>
+                <a:latin typeface="Comic Sans MS" panose="030F0702030302020204" charset="0"/>
+                <a:cs typeface="Comic Sans MS" panose="030F0702030302020204" charset="0"/>
+              </a:rPr>
+              <a:t>Возможность </a:t>
+            </a:r>
+            <a:r>
+              <a:rPr lang="ru-RU" altLang="ru-RU">
+                <a:solidFill>
+                  <a:srgbClr val="00B0F0"/>
+                </a:solidFill>
+                <a:latin typeface="Comic Sans MS" panose="030F0702030302020204" charset="0"/>
+                <a:cs typeface="Comic Sans MS" panose="030F0702030302020204" charset="0"/>
+              </a:rPr>
+              <a:t>голосового</a:t>
+            </a:r>
+            <a:r>
+              <a:rPr lang="ru-RU" altLang="ru-RU">
+                <a:solidFill>
+                  <a:schemeClr val="bg1"/>
+                </a:solidFill>
+                <a:latin typeface="Comic Sans MS" panose="030F0702030302020204" charset="0"/>
+                <a:cs typeface="Comic Sans MS" panose="030F0702030302020204" charset="0"/>
+              </a:rPr>
+              <a:t> ввода</a:t>
             </a:r>
             <a:endParaRPr lang="ru-RU" altLang="ru-RU">
               <a:solidFill>
@@ -4711,25 +6117,6 @@
             </a:endParaRPr>
           </a:p>
           <a:p>
-            <a:r>
-              <a:rPr lang="ru-RU" altLang="ru-RU">
-                <a:solidFill>
-                  <a:schemeClr val="bg1"/>
-                </a:solidFill>
-                <a:latin typeface="Comic Sans MS" panose="030F0702030302020204" charset="0"/>
-                <a:cs typeface="Comic Sans MS" panose="030F0702030302020204" charset="0"/>
-              </a:rPr>
-              <a:t>Возможность голосового ввода</a:t>
-            </a:r>
-            <a:endParaRPr lang="ru-RU" altLang="ru-RU">
-              <a:solidFill>
-                <a:schemeClr val="bg1"/>
-              </a:solidFill>
-              <a:latin typeface="Comic Sans MS" panose="030F0702030302020204" charset="0"/>
-              <a:cs typeface="Comic Sans MS" panose="030F0702030302020204" charset="0"/>
-            </a:endParaRPr>
-          </a:p>
-          <a:p>
             <a:pPr marL="0" indent="0">
               <a:buNone/>
             </a:pPr>
@@ -4773,7 +6160,67 @@
                 <a:latin typeface="Comic Sans MS" panose="030F0702030302020204" charset="0"/>
                 <a:cs typeface="Comic Sans MS" panose="030F0702030302020204" charset="0"/>
               </a:rPr>
-              <a:t>При работе над проектом понадобилось иметь терпение и интерес, поскольку без этого мне бы не удалось сделать проект таким, каким он сейчас является</a:t>
+              <a:t>При работе над проектом понадобилось иметь </a:t>
+            </a:r>
+            <a:r>
+              <a:rPr lang="ru-RU">
+                <a:solidFill>
+                  <a:srgbClr val="00B0F0"/>
+                </a:solidFill>
+                <a:latin typeface="Comic Sans MS" panose="030F0702030302020204" charset="0"/>
+                <a:cs typeface="Comic Sans MS" panose="030F0702030302020204" charset="0"/>
+              </a:rPr>
+              <a:t>терпение</a:t>
+            </a:r>
+            <a:r>
+              <a:rPr lang="ru-RU">
+                <a:solidFill>
+                  <a:schemeClr val="bg1"/>
+                </a:solidFill>
+                <a:latin typeface="Comic Sans MS" panose="030F0702030302020204" charset="0"/>
+                <a:cs typeface="Comic Sans MS" panose="030F0702030302020204" charset="0"/>
+              </a:rPr>
+              <a:t> и </a:t>
+            </a:r>
+            <a:r>
+              <a:rPr lang="ru-RU">
+                <a:solidFill>
+                  <a:srgbClr val="00B0F0"/>
+                </a:solidFill>
+                <a:latin typeface="Comic Sans MS" panose="030F0702030302020204" charset="0"/>
+                <a:cs typeface="Comic Sans MS" panose="030F0702030302020204" charset="0"/>
+              </a:rPr>
+              <a:t>интерес</a:t>
+            </a:r>
+            <a:r>
+              <a:rPr lang="ru-RU">
+                <a:solidFill>
+                  <a:schemeClr val="bg1"/>
+                </a:solidFill>
+                <a:latin typeface="Comic Sans MS" panose="030F0702030302020204" charset="0"/>
+                <a:cs typeface="Comic Sans MS" panose="030F0702030302020204" charset="0"/>
+              </a:rPr>
+              <a:t>, поскольку без этого мне бы не удалось сделать </a:t>
+            </a:r>
+            <a:r>
+              <a:rPr lang="ru-RU">
+                <a:solidFill>
+                  <a:srgbClr val="00B0F0"/>
+                </a:solidFill>
+                <a:latin typeface="Comic Sans MS" panose="030F0702030302020204" charset="0"/>
+                <a:cs typeface="Comic Sans MS" panose="030F0702030302020204" charset="0"/>
+              </a:rPr>
+              <a:t>проект </a:t>
+            </a:r>
+            <a:r>
+              <a:rPr lang="ru-RU">
+                <a:solidFill>
+                  <a:schemeClr val="bg1"/>
+                </a:solidFill>
+                <a:latin typeface="Comic Sans MS" panose="030F0702030302020204" charset="0"/>
+                <a:cs typeface="Comic Sans MS" panose="030F0702030302020204" charset="0"/>
+              </a:rPr>
+              <a:t>таким, каким он сейчас является</a:t>
             </a:r>
             <a:endParaRPr lang="ru-RU">
               <a:solidFill>
